--- a/Capstone Presentation.pptx
+++ b/Capstone Presentation.pptx
@@ -4196,7 +4196,7 @@
           <a:p>
             <a:fld id="{705E03B7-B591-4A2A-B695-014C5A39F13E}" type="datetimeFigureOut">
               <a:rPr lang="en-US"/>
-              <a:t>12/7/2021</a:t>
+              <a:t>12/9/2021</a:t>
             </a:fld>
             <a:endParaRPr/>
           </a:p>
@@ -4361,7 +4361,7 @@
           <a:p>
             <a:fld id="{67DFBD7B-E4FB-4AA8-9540-FD148073ACB3}" type="datetimeFigureOut">
               <a:rPr lang="en-US"/>
-              <a:t>12/7/2021</a:t>
+              <a:t>12/9/2021</a:t>
             </a:fld>
             <a:endParaRPr/>
           </a:p>
@@ -5091,7 +5091,7 @@
           <a:p>
             <a:fld id="{A7209051-6E81-43E8-9099-FF6A0C3DCFE8}" type="datetime1">
               <a:rPr lang="en-US"/>
-              <a:t>12/7/2021</a:t>
+              <a:t>12/9/2021</a:t>
             </a:fld>
             <a:endParaRPr/>
           </a:p>
@@ -5292,7 +5292,7 @@
           <a:p>
             <a:fld id="{EDCEAB04-7709-4C1E-A61A-74684A0170FC}" type="datetime1">
               <a:rPr lang="en-US"/>
-              <a:t>12/7/2021</a:t>
+              <a:t>12/9/2021</a:t>
             </a:fld>
             <a:endParaRPr/>
           </a:p>
@@ -5842,7 +5842,7 @@
           <a:p>
             <a:fld id="{0C79BD0D-E0B1-4CED-AC65-708AC79EB9CD}" type="datetime1">
               <a:rPr lang="en-US"/>
-              <a:t>12/7/2021</a:t>
+              <a:t>12/9/2021</a:t>
             </a:fld>
             <a:endParaRPr/>
           </a:p>
@@ -6043,7 +6043,7 @@
           <a:p>
             <a:fld id="{0CC3EA6D-DF0B-4D4B-B359-5F1D1D0E30A4}" type="datetime1">
               <a:rPr lang="en-US"/>
-              <a:t>12/7/2021</a:t>
+              <a:t>12/9/2021</a:t>
             </a:fld>
             <a:endParaRPr/>
           </a:p>
@@ -6647,7 +6647,7 @@
           <a:p>
             <a:fld id="{977EDB99-15BC-4479-BAC5-1E502E66917A}" type="datetime1">
               <a:rPr lang="en-US"/>
-              <a:t>12/7/2021</a:t>
+              <a:t>12/9/2021</a:t>
             </a:fld>
             <a:endParaRPr/>
           </a:p>
@@ -6959,7 +6959,7 @@
           <a:p>
             <a:fld id="{4067C2A3-CD19-48AB-9F64-ECCF75182EDD}" type="datetime1">
               <a:rPr lang="en-US"/>
-              <a:t>12/7/2021</a:t>
+              <a:t>12/9/2021</a:t>
             </a:fld>
             <a:endParaRPr/>
           </a:p>
@@ -7421,7 +7421,7 @@
           <a:p>
             <a:fld id="{0363E8C1-7C87-4705-AB97-8CD17D208E3F}" type="datetime1">
               <a:rPr lang="en-US"/>
-              <a:t>12/7/2021</a:t>
+              <a:t>12/9/2021</a:t>
             </a:fld>
             <a:endParaRPr/>
           </a:p>
@@ -7554,7 +7554,7 @@
           <a:p>
             <a:fld id="{E20C624E-DF92-4841-B9B9-DD11AA239B85}" type="datetime1">
               <a:rPr lang="en-US"/>
-              <a:t>12/7/2021</a:t>
+              <a:t>12/9/2021</a:t>
             </a:fld>
             <a:endParaRPr/>
           </a:p>
@@ -7847,7 +7847,7 @@
           <a:p>
             <a:fld id="{FBDA3AE1-4360-4D5B-BDBC-656B872DD533}" type="datetime1">
               <a:rPr lang="en-US"/>
-              <a:t>12/7/2021</a:t>
+              <a:t>12/9/2021</a:t>
             </a:fld>
             <a:endParaRPr/>
           </a:p>
@@ -8146,7 +8146,7 @@
           <a:p>
             <a:fld id="{20990708-46A4-4851-883E-8DFB8939107E}" type="datetime1">
               <a:rPr lang="en-US"/>
-              <a:t>12/7/2021</a:t>
+              <a:t>12/9/2021</a:t>
             </a:fld>
             <a:endParaRPr/>
           </a:p>
@@ -8430,7 +8430,7 @@
           <a:p>
             <a:fld id="{AE88EFFC-86AE-4294-A319-CAFC2651994B}" type="datetime1">
               <a:rPr lang="en-US"/>
-              <a:t>12/7/2021</a:t>
+              <a:t>12/9/2021</a:t>
             </a:fld>
             <a:endParaRPr/>
           </a:p>
@@ -9012,7 +9012,7 @@
             <a:fld id="{D29E8617-6EA8-4B97-A5E8-E18E98765EE2}" type="datetime1">
               <a:rPr lang="en-US"/>
               <a:pPr/>
-              <a:t>12/7/2021</a:t>
+              <a:t>12/9/2021</a:t>
             </a:fld>
             <a:endParaRPr dirty="0"/>
           </a:p>
@@ -9766,13 +9766,13 @@
           <a:p>
             <a:r>
               <a:rPr lang="en-US" dirty="0"/>
-              <a:t>Inflated rental costs</a:t>
+              <a:t>Inadequate income wages</a:t>
             </a:r>
           </a:p>
           <a:p>
             <a:r>
               <a:rPr lang="en-US" dirty="0"/>
-              <a:t>Inadequate income wages</a:t>
+              <a:t>Inflated rental costs</a:t>
             </a:r>
           </a:p>
           <a:p>
@@ -11568,15 +11568,6 @@
 </file>
 
 <file path=customXml/item2.xml><?xml version="1.0" encoding="utf-8"?>
-<?mso-contentType ?>
-<FormTemplates xmlns="http://schemas.microsoft.com/sharepoint/v3/contenttype/forms">
-  <Display>DocumentLibraryForm</Display>
-  <Edit>DocumentLibraryForm</Edit>
-  <New>DocumentLibraryForm</New>
-</FormTemplates>
-</file>
-
-<file path=customXml/item3.xml><?xml version="1.0" encoding="utf-8"?>
 <p:properties xmlns:p="http://schemas.microsoft.com/office/2006/metadata/properties" xmlns:xsi="http://www.w3.org/2001/XMLSchema-instance" xmlns:pc="http://schemas.microsoft.com/office/infopath/2007/PartnerControls">
   <documentManagement>
     <VSO_x0020_item_x0020_id xmlns="40262f94-9f35-4ac3-9a90-690165a166b7" xsi:nil="true"/>
@@ -11585,6 +11576,15 @@
     <Template_x0020_details xmlns="40262f94-9f35-4ac3-9a90-690165a166b7" xsi:nil="true"/>
   </documentManagement>
 </p:properties>
+</file>
+
+<file path=customXml/item3.xml><?xml version="1.0" encoding="utf-8"?>
+<?mso-contentType ?>
+<FormTemplates xmlns="http://schemas.microsoft.com/sharepoint/v3/contenttype/forms">
+  <Display>DocumentLibraryForm</Display>
+  <Edit>DocumentLibraryForm</Edit>
+  <New>DocumentLibraryForm</New>
+</FormTemplates>
 </file>
 
 <file path=customXml/itemProps1.xml><?xml version="1.0" encoding="utf-8"?>
@@ -11607,14 +11607,6 @@
 </file>
 
 <file path=customXml/itemProps2.xml><?xml version="1.0" encoding="utf-8"?>
-<ds:datastoreItem xmlns:ds="http://schemas.openxmlformats.org/officeDocument/2006/customXml" ds:itemID="{308942AA-0721-4324-BC2C-A3CB43F24E71}">
-  <ds:schemaRefs>
-    <ds:schemaRef ds:uri="http://schemas.microsoft.com/sharepoint/v3/contenttype/forms"/>
-  </ds:schemaRefs>
-</ds:datastoreItem>
-</file>
-
-<file path=customXml/itemProps3.xml><?xml version="1.0" encoding="utf-8"?>
 <ds:datastoreItem xmlns:ds="http://schemas.openxmlformats.org/officeDocument/2006/customXml" ds:itemID="{5E700CCB-20BA-4760-AB9F-AC3B63ED32E0}">
   <ds:schemaRefs>
     <ds:schemaRef ds:uri="http://schemas.microsoft.com/office/infopath/2007/PartnerControls"/>
@@ -11629,4 +11621,12 @@
     <ds:schemaRef ds:uri="http://www.w3.org/XML/1998/namespace"/>
   </ds:schemaRefs>
 </ds:datastoreItem>
+</file>
+
+<file path=customXml/itemProps3.xml><?xml version="1.0" encoding="utf-8"?>
+<ds:datastoreItem xmlns:ds="http://schemas.openxmlformats.org/officeDocument/2006/customXml" ds:itemID="{308942AA-0721-4324-BC2C-A3CB43F24E71}">
+  <ds:schemaRefs>
+    <ds:schemaRef ds:uri="http://schemas.microsoft.com/sharepoint/v3/contenttype/forms"/>
+  </ds:schemaRefs>
+</ds:datastoreItem>
 </file>
--- a/Capstone Presentation.pptx
+++ b/Capstone Presentation.pptx
@@ -4196,7 +4196,7 @@
           <a:p>
             <a:fld id="{705E03B7-B591-4A2A-B695-014C5A39F13E}" type="datetimeFigureOut">
               <a:rPr lang="en-US"/>
-              <a:t>12/9/2021</a:t>
+              <a:t>12/14/2021</a:t>
             </a:fld>
             <a:endParaRPr/>
           </a:p>
@@ -4361,7 +4361,7 @@
           <a:p>
             <a:fld id="{67DFBD7B-E4FB-4AA8-9540-FD148073ACB3}" type="datetimeFigureOut">
               <a:rPr lang="en-US"/>
-              <a:t>12/9/2021</a:t>
+              <a:t>12/14/2021</a:t>
             </a:fld>
             <a:endParaRPr/>
           </a:p>
@@ -5091,7 +5091,7 @@
           <a:p>
             <a:fld id="{A7209051-6E81-43E8-9099-FF6A0C3DCFE8}" type="datetime1">
               <a:rPr lang="en-US"/>
-              <a:t>12/9/2021</a:t>
+              <a:t>12/14/2021</a:t>
             </a:fld>
             <a:endParaRPr/>
           </a:p>
@@ -5292,7 +5292,7 @@
           <a:p>
             <a:fld id="{EDCEAB04-7709-4C1E-A61A-74684A0170FC}" type="datetime1">
               <a:rPr lang="en-US"/>
-              <a:t>12/9/2021</a:t>
+              <a:t>12/14/2021</a:t>
             </a:fld>
             <a:endParaRPr/>
           </a:p>
@@ -5842,7 +5842,7 @@
           <a:p>
             <a:fld id="{0C79BD0D-E0B1-4CED-AC65-708AC79EB9CD}" type="datetime1">
               <a:rPr lang="en-US"/>
-              <a:t>12/9/2021</a:t>
+              <a:t>12/14/2021</a:t>
             </a:fld>
             <a:endParaRPr/>
           </a:p>
@@ -6043,7 +6043,7 @@
           <a:p>
             <a:fld id="{0CC3EA6D-DF0B-4D4B-B359-5F1D1D0E30A4}" type="datetime1">
               <a:rPr lang="en-US"/>
-              <a:t>12/9/2021</a:t>
+              <a:t>12/14/2021</a:t>
             </a:fld>
             <a:endParaRPr/>
           </a:p>
@@ -6647,7 +6647,7 @@
           <a:p>
             <a:fld id="{977EDB99-15BC-4479-BAC5-1E502E66917A}" type="datetime1">
               <a:rPr lang="en-US"/>
-              <a:t>12/9/2021</a:t>
+              <a:t>12/14/2021</a:t>
             </a:fld>
             <a:endParaRPr/>
           </a:p>
@@ -6959,7 +6959,7 @@
           <a:p>
             <a:fld id="{4067C2A3-CD19-48AB-9F64-ECCF75182EDD}" type="datetime1">
               <a:rPr lang="en-US"/>
-              <a:t>12/9/2021</a:t>
+              <a:t>12/14/2021</a:t>
             </a:fld>
             <a:endParaRPr/>
           </a:p>
@@ -7421,7 +7421,7 @@
           <a:p>
             <a:fld id="{0363E8C1-7C87-4705-AB97-8CD17D208E3F}" type="datetime1">
               <a:rPr lang="en-US"/>
-              <a:t>12/9/2021</a:t>
+              <a:t>12/14/2021</a:t>
             </a:fld>
             <a:endParaRPr/>
           </a:p>
@@ -7554,7 +7554,7 @@
           <a:p>
             <a:fld id="{E20C624E-DF92-4841-B9B9-DD11AA239B85}" type="datetime1">
               <a:rPr lang="en-US"/>
-              <a:t>12/9/2021</a:t>
+              <a:t>12/14/2021</a:t>
             </a:fld>
             <a:endParaRPr/>
           </a:p>
@@ -7847,7 +7847,7 @@
           <a:p>
             <a:fld id="{FBDA3AE1-4360-4D5B-BDBC-656B872DD533}" type="datetime1">
               <a:rPr lang="en-US"/>
-              <a:t>12/9/2021</a:t>
+              <a:t>12/14/2021</a:t>
             </a:fld>
             <a:endParaRPr/>
           </a:p>
@@ -8146,7 +8146,7 @@
           <a:p>
             <a:fld id="{20990708-46A4-4851-883E-8DFB8939107E}" type="datetime1">
               <a:rPr lang="en-US"/>
-              <a:t>12/9/2021</a:t>
+              <a:t>12/14/2021</a:t>
             </a:fld>
             <a:endParaRPr/>
           </a:p>
@@ -8430,7 +8430,7 @@
           <a:p>
             <a:fld id="{AE88EFFC-86AE-4294-A319-CAFC2651994B}" type="datetime1">
               <a:rPr lang="en-US"/>
-              <a:t>12/9/2021</a:t>
+              <a:t>12/14/2021</a:t>
             </a:fld>
             <a:endParaRPr/>
           </a:p>
@@ -9012,7 +9012,7 @@
             <a:fld id="{D29E8617-6EA8-4B97-A5E8-E18E98765EE2}" type="datetime1">
               <a:rPr lang="en-US"/>
               <a:pPr/>
-              <a:t>12/9/2021</a:t>
+              <a:t>12/14/2021</a:t>
             </a:fld>
             <a:endParaRPr dirty="0"/>
           </a:p>
@@ -9766,19 +9766,19 @@
           <a:p>
             <a:r>
               <a:rPr lang="en-US" dirty="0"/>
-              <a:t>Inadequate income wages</a:t>
+              <a:t>Inadequate income</a:t>
             </a:r>
           </a:p>
           <a:p>
             <a:r>
               <a:rPr lang="en-US" dirty="0"/>
-              <a:t>Inflated rental costs</a:t>
+              <a:t>(*changes in) rental costs (*possible values over time)</a:t>
             </a:r>
           </a:p>
           <a:p>
             <a:r>
               <a:rPr lang="en-US" dirty="0"/>
-              <a:t>Increased costs of food products</a:t>
+              <a:t>(*find more bullet points)</a:t>
             </a:r>
           </a:p>
         </p:txBody>
@@ -10612,14 +10612,19 @@
             <p:ph type="title"/>
           </p:nvPr>
         </p:nvSpPr>
-        <p:spPr/>
+        <p:spPr>
+          <a:xfrm>
+            <a:off x="1979612" y="1905000"/>
+            <a:ext cx="9751060" cy="1295400"/>
+          </a:xfrm>
+        </p:spPr>
         <p:txBody>
           <a:bodyPr/>
           <a:lstStyle/>
           <a:p>
             <a:r>
               <a:rPr lang="en-US" dirty="0"/>
-              <a:t>Add a Slide Title - 3</a:t>
+              <a:t>*(Leading data question here?)</a:t>
             </a:r>
           </a:p>
         </p:txBody>
@@ -11568,6 +11573,15 @@
 </file>
 
 <file path=customXml/item2.xml><?xml version="1.0" encoding="utf-8"?>
+<?mso-contentType ?>
+<FormTemplates xmlns="http://schemas.microsoft.com/sharepoint/v3/contenttype/forms">
+  <Display>DocumentLibraryForm</Display>
+  <Edit>DocumentLibraryForm</Edit>
+  <New>DocumentLibraryForm</New>
+</FormTemplates>
+</file>
+
+<file path=customXml/item3.xml><?xml version="1.0" encoding="utf-8"?>
 <p:properties xmlns:p="http://schemas.microsoft.com/office/2006/metadata/properties" xmlns:xsi="http://www.w3.org/2001/XMLSchema-instance" xmlns:pc="http://schemas.microsoft.com/office/infopath/2007/PartnerControls">
   <documentManagement>
     <VSO_x0020_item_x0020_id xmlns="40262f94-9f35-4ac3-9a90-690165a166b7" xsi:nil="true"/>
@@ -11576,15 +11590,6 @@
     <Template_x0020_details xmlns="40262f94-9f35-4ac3-9a90-690165a166b7" xsi:nil="true"/>
   </documentManagement>
 </p:properties>
-</file>
-
-<file path=customXml/item3.xml><?xml version="1.0" encoding="utf-8"?>
-<?mso-contentType ?>
-<FormTemplates xmlns="http://schemas.microsoft.com/sharepoint/v3/contenttype/forms">
-  <Display>DocumentLibraryForm</Display>
-  <Edit>DocumentLibraryForm</Edit>
-  <New>DocumentLibraryForm</New>
-</FormTemplates>
 </file>
 
 <file path=customXml/itemProps1.xml><?xml version="1.0" encoding="utf-8"?>
@@ -11607,6 +11612,14 @@
 </file>
 
 <file path=customXml/itemProps2.xml><?xml version="1.0" encoding="utf-8"?>
+<ds:datastoreItem xmlns:ds="http://schemas.openxmlformats.org/officeDocument/2006/customXml" ds:itemID="{308942AA-0721-4324-BC2C-A3CB43F24E71}">
+  <ds:schemaRefs>
+    <ds:schemaRef ds:uri="http://schemas.microsoft.com/sharepoint/v3/contenttype/forms"/>
+  </ds:schemaRefs>
+</ds:datastoreItem>
+</file>
+
+<file path=customXml/itemProps3.xml><?xml version="1.0" encoding="utf-8"?>
 <ds:datastoreItem xmlns:ds="http://schemas.openxmlformats.org/officeDocument/2006/customXml" ds:itemID="{5E700CCB-20BA-4760-AB9F-AC3B63ED32E0}">
   <ds:schemaRefs>
     <ds:schemaRef ds:uri="http://schemas.microsoft.com/office/infopath/2007/PartnerControls"/>
@@ -11621,12 +11634,4 @@
     <ds:schemaRef ds:uri="http://www.w3.org/XML/1998/namespace"/>
   </ds:schemaRefs>
 </ds:datastoreItem>
-</file>
-
-<file path=customXml/itemProps3.xml><?xml version="1.0" encoding="utf-8"?>
-<ds:datastoreItem xmlns:ds="http://schemas.openxmlformats.org/officeDocument/2006/customXml" ds:itemID="{308942AA-0721-4324-BC2C-A3CB43F24E71}">
-  <ds:schemaRefs>
-    <ds:schemaRef ds:uri="http://schemas.microsoft.com/sharepoint/v3/contenttype/forms"/>
-  </ds:schemaRefs>
-</ds:datastoreItem>
 </file>